--- a/EdPresentation.pptx
+++ b/EdPresentation.pptx
@@ -982,7 +982,7 @@
               <a:pPr>
                 <a:defRPr/>
               </a:pPr>
-              <a:t>3/13/18</a:t>
+              <a:t>3/14/18</a:t>
             </a:fld>
             <a:endParaRPr lang="en-US" dirty="0"/>
           </a:p>
@@ -1220,7 +1220,7 @@
               <a:pPr>
                 <a:defRPr/>
               </a:pPr>
-              <a:t>3/13/18</a:t>
+              <a:t>3/14/18</a:t>
             </a:fld>
             <a:endParaRPr lang="en-US" dirty="0"/>
           </a:p>
@@ -1609,7 +1609,7 @@
               <a:pPr>
                 <a:defRPr/>
               </a:pPr>
-              <a:t>3/13/18</a:t>
+              <a:t>3/14/18</a:t>
             </a:fld>
             <a:endParaRPr lang="en-US" dirty="0"/>
           </a:p>
@@ -1839,7 +1839,7 @@
               <a:pPr>
                 <a:defRPr/>
               </a:pPr>
-              <a:t>3/13/18</a:t>
+              <a:t>3/14/18</a:t>
             </a:fld>
             <a:endParaRPr lang="en-US" dirty="0"/>
           </a:p>
@@ -2265,7 +2265,7 @@
               <a:pPr>
                 <a:defRPr/>
               </a:pPr>
-              <a:t>3/13/18</a:t>
+              <a:t>3/14/18</a:t>
             </a:fld>
             <a:endParaRPr lang="en-US" dirty="0"/>
           </a:p>
@@ -2556,7 +2556,7 @@
               <a:pPr>
                 <a:defRPr/>
               </a:pPr>
-              <a:t>3/13/18</a:t>
+              <a:t>3/14/18</a:t>
             </a:fld>
             <a:endParaRPr lang="en-US" dirty="0"/>
           </a:p>
@@ -2937,7 +2937,7 @@
               <a:pPr>
                 <a:defRPr/>
               </a:pPr>
-              <a:t>3/13/18</a:t>
+              <a:t>3/14/18</a:t>
             </a:fld>
             <a:endParaRPr lang="en-US" dirty="0"/>
           </a:p>
@@ -3108,7 +3108,7 @@
               <a:pPr>
                 <a:defRPr/>
               </a:pPr>
-              <a:t>3/13/18</a:t>
+              <a:t>3/14/18</a:t>
             </a:fld>
             <a:endParaRPr lang="en-US" dirty="0"/>
           </a:p>
@@ -3450,7 +3450,7 @@
               <a:pPr>
                 <a:defRPr/>
               </a:pPr>
-              <a:t>3/13/18</a:t>
+              <a:t>3/14/18</a:t>
             </a:fld>
             <a:endParaRPr lang="en-US" dirty="0"/>
           </a:p>
@@ -3953,7 +3953,7 @@
               <a:pPr>
                 <a:defRPr/>
               </a:pPr>
-              <a:t>3/13/18</a:t>
+              <a:t>3/14/18</a:t>
             </a:fld>
             <a:endParaRPr lang="en-US" dirty="0"/>
           </a:p>
@@ -5130,10 +5130,10 @@
       </p:grpSpPr>
       <p:pic>
         <p:nvPicPr>
-          <p:cNvPr id="22" name="Picture 21">
+          <p:cNvPr id="17" name="Picture 16">
             <a:extLst>
               <a:ext uri="{FF2B5EF4-FFF2-40B4-BE49-F238E27FC236}">
-                <a16:creationId xmlns:a16="http://schemas.microsoft.com/office/drawing/2014/main" id="{09FDB89A-2A26-5E45-A21B-33EEDC85D662}"/>
+                <a16:creationId xmlns:a16="http://schemas.microsoft.com/office/drawing/2014/main" id="{FAF6F88C-F871-4F4E-BC10-4CF147C45706}"/>
               </a:ext>
             </a:extLst>
           </p:cNvPr>
@@ -5156,7 +5156,7 @@
         </p:blipFill>
         <p:spPr>
           <a:xfrm>
-            <a:off x="0" y="318052"/>
+            <a:off x="0" y="0"/>
             <a:ext cx="12192000" cy="7620000"/>
           </a:xfrm>
           <a:prstGeom prst="rect">
@@ -5176,7 +5176,7 @@
         </p:nvSpPr>
         <p:spPr>
           <a:xfrm>
-            <a:off x="457200" y="1260429"/>
+            <a:off x="205740" y="1260429"/>
             <a:ext cx="711200" cy="754188"/>
           </a:xfrm>
         </p:spPr>
@@ -5685,10 +5685,10 @@
       </p:grpSpPr>
       <p:pic>
         <p:nvPicPr>
-          <p:cNvPr id="22" name="Picture 21">
+          <p:cNvPr id="17" name="Picture 16">
             <a:extLst>
               <a:ext uri="{FF2B5EF4-FFF2-40B4-BE49-F238E27FC236}">
-                <a16:creationId xmlns:a16="http://schemas.microsoft.com/office/drawing/2014/main" id="{09FDB89A-2A26-5E45-A21B-33EEDC85D662}"/>
+                <a16:creationId xmlns:a16="http://schemas.microsoft.com/office/drawing/2014/main" id="{F9D01407-28EA-2540-B2E8-017371B871BF}"/>
               </a:ext>
             </a:extLst>
           </p:cNvPr>
@@ -5711,7 +5711,7 @@
         </p:blipFill>
         <p:spPr>
           <a:xfrm>
-            <a:off x="129789" y="328685"/>
+            <a:off x="0" y="0"/>
             <a:ext cx="12192000" cy="7620000"/>
           </a:xfrm>
           <a:prstGeom prst="rect">
@@ -5719,45 +5719,6 @@
           </a:prstGeom>
         </p:spPr>
       </p:pic>
-      <p:sp>
-        <p:nvSpPr>
-          <p:cNvPr id="24" name="Slide Number Placeholder 23"/>
-          <p:cNvSpPr>
-            <a:spLocks noGrp="1"/>
-          </p:cNvSpPr>
-          <p:nvPr>
-            <p:ph type="sldNum" sz="quarter" idx="12"/>
-          </p:nvPr>
-        </p:nvSpPr>
-        <p:spPr>
-          <a:xfrm>
-            <a:off x="457200" y="1260429"/>
-            <a:ext cx="711200" cy="754188"/>
-          </a:xfrm>
-        </p:spPr>
-        <p:txBody>
-          <a:bodyPr/>
-          <a:lstStyle/>
-          <a:p>
-            <a:fld id="{2F9C2766-2748-4908-B5E9-F9F9B4A0F9E7}" type="slidenum">
-              <a:rPr lang="en-US" altLang="en-US" sz="2800" smtClean="0">
-                <a:solidFill>
-                  <a:srgbClr val="FFFFFF"/>
-                </a:solidFill>
-                <a:latin typeface="Segoe Print" panose="02000600000000000000" pitchFamily="2" charset="0"/>
-              </a:rPr>
-              <a:pPr/>
-              <a:t>11</a:t>
-            </a:fld>
-            <a:endParaRPr lang="en-US" altLang="en-US" dirty="0">
-              <a:solidFill>
-                <a:srgbClr val="FFFFFF"/>
-              </a:solidFill>
-              <a:latin typeface="Segoe Print" panose="02000600000000000000" pitchFamily="2" charset="0"/>
-            </a:endParaRPr>
-          </a:p>
-        </p:txBody>
-      </p:sp>
       <p:cxnSp>
         <p:nvCxnSpPr>
           <p:cNvPr id="26" name="Straight Connector 25"/>
@@ -6171,6 +6132,51 @@
           </a:prstGeom>
         </p:spPr>
       </p:pic>
+      <p:sp>
+        <p:nvSpPr>
+          <p:cNvPr id="19" name="Slide Number Placeholder 23">
+            <a:extLst>
+              <a:ext uri="{FF2B5EF4-FFF2-40B4-BE49-F238E27FC236}">
+                <a16:creationId xmlns:a16="http://schemas.microsoft.com/office/drawing/2014/main" id="{4579D9E4-36C9-EC46-BA3A-E6876750D805}"/>
+              </a:ext>
+            </a:extLst>
+          </p:cNvPr>
+          <p:cNvSpPr>
+            <a:spLocks noGrp="1"/>
+          </p:cNvSpPr>
+          <p:nvPr>
+            <p:ph type="sldNum" sz="quarter" idx="12"/>
+          </p:nvPr>
+        </p:nvSpPr>
+        <p:spPr>
+          <a:xfrm>
+            <a:off x="205740" y="1260429"/>
+            <a:ext cx="711200" cy="754188"/>
+          </a:xfrm>
+        </p:spPr>
+        <p:txBody>
+          <a:bodyPr/>
+          <a:lstStyle/>
+          <a:p>
+            <a:fld id="{2F9C2766-2748-4908-B5E9-F9F9B4A0F9E7}" type="slidenum">
+              <a:rPr lang="en-US" altLang="en-US" sz="2800" smtClean="0">
+                <a:solidFill>
+                  <a:srgbClr val="FFFFFF"/>
+                </a:solidFill>
+                <a:latin typeface="Segoe Print" panose="02000600000000000000" pitchFamily="2" charset="0"/>
+              </a:rPr>
+              <a:pPr/>
+              <a:t>11</a:t>
+            </a:fld>
+            <a:endParaRPr lang="en-US" altLang="en-US" dirty="0">
+              <a:solidFill>
+                <a:srgbClr val="FFFFFF"/>
+              </a:solidFill>
+              <a:latin typeface="Segoe Print" panose="02000600000000000000" pitchFamily="2" charset="0"/>
+            </a:endParaRPr>
+          </a:p>
+        </p:txBody>
+      </p:sp>
     </p:spTree>
     <p:extLst>
       <p:ext uri="{BB962C8B-B14F-4D97-AF65-F5344CB8AC3E}">
@@ -8352,7 +8358,7 @@
         <p:spPr>
           <a:xfrm>
             <a:off x="5032324" y="1364494"/>
-            <a:ext cx="6092876" cy="4061917"/>
+            <a:ext cx="6092875" cy="4061917"/>
           </a:xfrm>
           <a:prstGeom prst="rect">
             <a:avLst/>
@@ -8554,6 +8560,58 @@
           </p:spPr>
         </p:pic>
       </p:grpSp>
+      <p:sp>
+        <p:nvSpPr>
+          <p:cNvPr id="2" name="Rectangle 1">
+            <a:extLst>
+              <a:ext uri="{FF2B5EF4-FFF2-40B4-BE49-F238E27FC236}">
+                <a16:creationId xmlns:a16="http://schemas.microsoft.com/office/drawing/2014/main" id="{D4ED9688-2C3E-4B4C-87B4-AA63244D8ADC}"/>
+              </a:ext>
+            </a:extLst>
+          </p:cNvPr>
+          <p:cNvSpPr/>
+          <p:nvPr/>
+        </p:nvSpPr>
+        <p:spPr>
+          <a:xfrm>
+            <a:off x="10732770" y="1714500"/>
+            <a:ext cx="392429" cy="594360"/>
+          </a:xfrm>
+          <a:prstGeom prst="rect">
+            <a:avLst/>
+          </a:prstGeom>
+          <a:solidFill>
+            <a:schemeClr val="bg1"/>
+          </a:solidFill>
+          <a:ln>
+            <a:noFill/>
+          </a:ln>
+        </p:spPr>
+        <p:style>
+          <a:lnRef idx="2">
+            <a:schemeClr val="accent1">
+              <a:shade val="50000"/>
+            </a:schemeClr>
+          </a:lnRef>
+          <a:fillRef idx="1">
+            <a:schemeClr val="accent1"/>
+          </a:fillRef>
+          <a:effectRef idx="0">
+            <a:schemeClr val="accent1"/>
+          </a:effectRef>
+          <a:fontRef idx="minor">
+            <a:schemeClr val="lt1"/>
+          </a:fontRef>
+        </p:style>
+        <p:txBody>
+          <a:bodyPr rtlCol="0" anchor="ctr"/>
+          <a:lstStyle/>
+          <a:p>
+            <a:pPr algn="ctr"/>
+            <a:endParaRPr lang="en-US"/>
+          </a:p>
+        </p:txBody>
+      </p:sp>
     </p:spTree>
     <p:extLst>
       <p:ext uri="{BB962C8B-B14F-4D97-AF65-F5344CB8AC3E}">
@@ -8705,7 +8763,7 @@
         <p:spPr>
           <a:xfrm>
             <a:off x="1404620" y="1234440"/>
-            <a:ext cx="3549462" cy="2080057"/>
+            <a:ext cx="3549462" cy="1361911"/>
           </a:xfrm>
           <a:prstGeom prst="rect">
             <a:avLst/>
@@ -8770,7 +8828,7 @@
                 </a:solidFill>
                 <a:latin typeface="Gill Sans MT" panose="020B0502020104020203" pitchFamily="34" charset="0"/>
               </a:rPr>
-              <a:t>Smallest schools have least variance from the regression line</a:t>
+              <a:t>Least variance</a:t>
             </a:r>
           </a:p>
         </p:txBody>
@@ -8879,7 +8937,7 @@
         <p:spPr>
           <a:xfrm>
             <a:off x="5032324" y="1364494"/>
-            <a:ext cx="6092875" cy="4061917"/>
+            <a:ext cx="6092875" cy="4061916"/>
           </a:xfrm>
           <a:prstGeom prst="rect">
             <a:avLst/>
@@ -9327,7 +9385,7 @@
         <p:spPr>
           <a:xfrm>
             <a:off x="5032324" y="1364494"/>
-            <a:ext cx="6092875" cy="4061916"/>
+            <a:ext cx="6092874" cy="4061916"/>
           </a:xfrm>
           <a:prstGeom prst="rect">
             <a:avLst/>
@@ -9349,7 +9407,7 @@
         <p:spPr>
           <a:xfrm>
             <a:off x="1404620" y="1234440"/>
-            <a:ext cx="3549462" cy="1720984"/>
+            <a:ext cx="3549462" cy="1361911"/>
           </a:xfrm>
           <a:prstGeom prst="rect">
             <a:avLst/>
@@ -9414,7 +9472,7 @@
                 </a:solidFill>
                 <a:latin typeface="Gill Sans MT" panose="020B0502020104020203" pitchFamily="34" charset="0"/>
               </a:rPr>
-              <a:t>Lower variance from the regression line</a:t>
+              <a:t>Increased  Variance</a:t>
             </a:r>
           </a:p>
         </p:txBody>
@@ -9882,7 +9940,7 @@
         <p:spPr>
           <a:xfrm>
             <a:off x="1404620" y="1234440"/>
-            <a:ext cx="3549462" cy="1720984"/>
+            <a:ext cx="3549462" cy="1361911"/>
           </a:xfrm>
           <a:prstGeom prst="rect">
             <a:avLst/>
@@ -9947,7 +10005,7 @@
                 </a:solidFill>
                 <a:latin typeface="Gill Sans MT" panose="020B0502020104020203" pitchFamily="34" charset="0"/>
               </a:rPr>
-              <a:t>Lower variance from the regression line</a:t>
+              <a:t>Greater variance</a:t>
             </a:r>
           </a:p>
         </p:txBody>
@@ -10298,7 +10356,7 @@
         <p:spPr>
           <a:xfrm>
             <a:off x="1404620" y="1234440"/>
-            <a:ext cx="3549462" cy="4452501"/>
+            <a:ext cx="3549462" cy="1361911"/>
           </a:xfrm>
           <a:prstGeom prst="rect">
             <a:avLst/>
@@ -10335,7 +10393,7 @@
                 </a:solidFill>
                 <a:latin typeface="Gill Sans MT" panose="020B0502020104020203" pitchFamily="34" charset="0"/>
               </a:rPr>
-              <a:t>Student population by quartile</a:t>
+              <a:t>Fourth quartile of student population</a:t>
             </a:r>
           </a:p>
           <a:p>
@@ -10363,91 +10421,7 @@
                 </a:solidFill>
                 <a:latin typeface="Gill Sans MT" panose="020B0502020104020203" pitchFamily="34" charset="0"/>
               </a:rPr>
-              <a:t>x = percentage of economically disadvantaged students</a:t>
-            </a:r>
-          </a:p>
-          <a:p>
-            <a:pPr marL="285750" lvl="1" indent="-285750" eaLnBrk="1" hangingPunct="1">
-              <a:lnSpc>
-                <a:spcPts val="2800"/>
-              </a:lnSpc>
-              <a:spcBef>
-                <a:spcPts val="1200"/>
-              </a:spcBef>
-              <a:spcAft>
-                <a:spcPts val="300"/>
-              </a:spcAft>
-              <a:buClr>
-                <a:schemeClr val="bg1"/>
-              </a:buClr>
-              <a:buSzPct val="125000"/>
-              <a:buFont typeface="Courier New" panose="02070309020205020404" pitchFamily="49" charset="0"/>
-              <a:buChar char="o"/>
-            </a:pPr>
-            <a:r>
-              <a:rPr lang="en-US" altLang="en-US" dirty="0">
-                <a:solidFill>
-                  <a:schemeClr val="bg1"/>
-                </a:solidFill>
-                <a:latin typeface="Gill Sans MT" panose="020B0502020104020203" pitchFamily="34" charset="0"/>
-              </a:rPr>
-              <a:t>y = percentage of student passing STAAR</a:t>
-            </a:r>
-          </a:p>
-          <a:p>
-            <a:pPr marL="285750" lvl="1" indent="-285750" eaLnBrk="1" hangingPunct="1">
-              <a:lnSpc>
-                <a:spcPts val="2800"/>
-              </a:lnSpc>
-              <a:spcBef>
-                <a:spcPts val="1200"/>
-              </a:spcBef>
-              <a:spcAft>
-                <a:spcPts val="300"/>
-              </a:spcAft>
-              <a:buClr>
-                <a:schemeClr val="bg1"/>
-              </a:buClr>
-              <a:buSzPct val="125000"/>
-              <a:buFont typeface="Courier New" panose="02070309020205020404" pitchFamily="49" charset="0"/>
-              <a:buChar char="o"/>
-            </a:pPr>
-            <a:r>
-              <a:rPr lang="en-US" altLang="en-US" dirty="0">
-                <a:solidFill>
-                  <a:schemeClr val="bg1"/>
-                </a:solidFill>
-                <a:latin typeface="Gill Sans MT" panose="020B0502020104020203" pitchFamily="34" charset="0"/>
-              </a:rPr>
-              <a:t>Negative relationship</a:t>
-            </a:r>
-          </a:p>
-          <a:p>
-            <a:pPr marL="285750" lvl="1" indent="-285750" eaLnBrk="1" hangingPunct="1">
-              <a:lnSpc>
-                <a:spcPts val="2800"/>
-              </a:lnSpc>
-              <a:spcBef>
-                <a:spcPts val="1200"/>
-              </a:spcBef>
-              <a:spcAft>
-                <a:spcPts val="300"/>
-              </a:spcAft>
-              <a:buClr>
-                <a:schemeClr val="bg1"/>
-              </a:buClr>
-              <a:buSzPct val="125000"/>
-              <a:buFont typeface="Courier New" panose="02070309020205020404" pitchFamily="49" charset="0"/>
-              <a:buChar char="o"/>
-            </a:pPr>
-            <a:r>
-              <a:rPr lang="en-US" altLang="en-US" dirty="0">
-                <a:solidFill>
-                  <a:schemeClr val="bg1"/>
-                </a:solidFill>
-                <a:latin typeface="Gill Sans MT" panose="020B0502020104020203" pitchFamily="34" charset="0"/>
-              </a:rPr>
-              <a:t>Dispersion varies by campus size</a:t>
+              <a:t>Greatest variance</a:t>
             </a:r>
           </a:p>
         </p:txBody>
@@ -10790,10 +10764,10 @@
       </p:grpSpPr>
       <p:pic>
         <p:nvPicPr>
-          <p:cNvPr id="22" name="Picture 21">
+          <p:cNvPr id="17" name="Picture 16">
             <a:extLst>
               <a:ext uri="{FF2B5EF4-FFF2-40B4-BE49-F238E27FC236}">
-                <a16:creationId xmlns:a16="http://schemas.microsoft.com/office/drawing/2014/main" id="{09FDB89A-2A26-5E45-A21B-33EEDC85D662}"/>
+                <a16:creationId xmlns:a16="http://schemas.microsoft.com/office/drawing/2014/main" id="{74389779-9EB9-844D-B416-AF21BF5EBDE8}"/>
               </a:ext>
             </a:extLst>
           </p:cNvPr>
@@ -10816,7 +10790,7 @@
         </p:blipFill>
         <p:spPr>
           <a:xfrm>
-            <a:off x="0" y="318052"/>
+            <a:off x="0" y="0"/>
             <a:ext cx="12192000" cy="7620000"/>
           </a:xfrm>
           <a:prstGeom prst="rect">
